--- a/.assets/SwateInstaller.pptx
+++ b/.assets/SwateInstaller.pptx
@@ -106,7 +106,18 @@
   </p:defaultTextStyle>
   <p:extLst>
     <p:ext uri="{EFAFB233-063F-42B5-8137-9DF3F51BA10A}">
-      <p15:sldGuideLst xmlns:p15="http://schemas.microsoft.com/office/powerpoint/2012/main"/>
+      <p15:sldGuideLst xmlns:p15="http://schemas.microsoft.com/office/powerpoint/2012/main">
+        <p15:guide id="1" orient="horz" pos="2160" userDrawn="1">
+          <p15:clr>
+            <a:srgbClr val="A4A3A4"/>
+          </p15:clr>
+        </p15:guide>
+        <p15:guide id="2" pos="1141" userDrawn="1">
+          <p15:clr>
+            <a:srgbClr val="A4A3A4"/>
+          </p15:clr>
+        </p15:guide>
+      </p15:sldGuideLst>
     </p:ext>
   </p:extLst>
 </p:presentation>
@@ -315,7 +326,7 @@
           <a:p>
             <a:fld id="{8B45703A-87FC-487A-987F-04F4C607D3CA}" type="slidenum">
               <a:rPr lang="en-DE" smtClean="0"/>
-              <a:t>‹#›</a:t>
+              <a:t>‹Nr.›</a:t>
             </a:fld>
             <a:endParaRPr lang="en-DE"/>
           </a:p>
@@ -515,7 +526,7 @@
           <a:p>
             <a:fld id="{8B45703A-87FC-487A-987F-04F4C607D3CA}" type="slidenum">
               <a:rPr lang="en-DE" smtClean="0"/>
-              <a:t>‹#›</a:t>
+              <a:t>‹Nr.›</a:t>
             </a:fld>
             <a:endParaRPr lang="en-DE"/>
           </a:p>
@@ -725,7 +736,7 @@
           <a:p>
             <a:fld id="{8B45703A-87FC-487A-987F-04F4C607D3CA}" type="slidenum">
               <a:rPr lang="en-DE" smtClean="0"/>
-              <a:t>‹#›</a:t>
+              <a:t>‹Nr.›</a:t>
             </a:fld>
             <a:endParaRPr lang="en-DE"/>
           </a:p>
@@ -925,7 +936,7 @@
           <a:p>
             <a:fld id="{8B45703A-87FC-487A-987F-04F4C607D3CA}" type="slidenum">
               <a:rPr lang="en-DE" smtClean="0"/>
-              <a:t>‹#›</a:t>
+              <a:t>‹Nr.›</a:t>
             </a:fld>
             <a:endParaRPr lang="en-DE"/>
           </a:p>
@@ -1201,7 +1212,7 @@
           <a:p>
             <a:fld id="{8B45703A-87FC-487A-987F-04F4C607D3CA}" type="slidenum">
               <a:rPr lang="en-DE" smtClean="0"/>
-              <a:t>‹#›</a:t>
+              <a:t>‹Nr.›</a:t>
             </a:fld>
             <a:endParaRPr lang="en-DE"/>
           </a:p>
@@ -1469,7 +1480,7 @@
           <a:p>
             <a:fld id="{8B45703A-87FC-487A-987F-04F4C607D3CA}" type="slidenum">
               <a:rPr lang="en-DE" smtClean="0"/>
-              <a:t>‹#›</a:t>
+              <a:t>‹Nr.›</a:t>
             </a:fld>
             <a:endParaRPr lang="en-DE"/>
           </a:p>
@@ -1884,7 +1895,7 @@
           <a:p>
             <a:fld id="{8B45703A-87FC-487A-987F-04F4C607D3CA}" type="slidenum">
               <a:rPr lang="en-DE" smtClean="0"/>
-              <a:t>‹#›</a:t>
+              <a:t>‹Nr.›</a:t>
             </a:fld>
             <a:endParaRPr lang="en-DE"/>
           </a:p>
@@ -2026,7 +2037,7 @@
           <a:p>
             <a:fld id="{8B45703A-87FC-487A-987F-04F4C607D3CA}" type="slidenum">
               <a:rPr lang="en-DE" smtClean="0"/>
-              <a:t>‹#›</a:t>
+              <a:t>‹Nr.›</a:t>
             </a:fld>
             <a:endParaRPr lang="en-DE"/>
           </a:p>
@@ -2139,7 +2150,7 @@
           <a:p>
             <a:fld id="{8B45703A-87FC-487A-987F-04F4C607D3CA}" type="slidenum">
               <a:rPr lang="en-DE" smtClean="0"/>
-              <a:t>‹#›</a:t>
+              <a:t>‹Nr.›</a:t>
             </a:fld>
             <a:endParaRPr lang="en-DE"/>
           </a:p>
@@ -2452,7 +2463,7 @@
           <a:p>
             <a:fld id="{8B45703A-87FC-487A-987F-04F4C607D3CA}" type="slidenum">
               <a:rPr lang="en-DE" smtClean="0"/>
-              <a:t>‹#›</a:t>
+              <a:t>‹Nr.›</a:t>
             </a:fld>
             <a:endParaRPr lang="en-DE"/>
           </a:p>
@@ -2741,7 +2752,7 @@
           <a:p>
             <a:fld id="{8B45703A-87FC-487A-987F-04F4C607D3CA}" type="slidenum">
               <a:rPr lang="en-DE" smtClean="0"/>
-              <a:t>‹#›</a:t>
+              <a:t>‹Nr.›</a:t>
             </a:fld>
             <a:endParaRPr lang="en-DE"/>
           </a:p>
@@ -3020,7 +3031,7 @@
           <a:p>
             <a:fld id="{8B45703A-87FC-487A-987F-04F4C607D3CA}" type="slidenum">
               <a:rPr lang="en-DE" smtClean="0"/>
-              <a:t>‹#›</a:t>
+              <a:t>‹Nr.›</a:t>
             </a:fld>
             <a:endParaRPr lang="en-DE"/>
           </a:p>
@@ -3349,10 +3360,10 @@
       </p:grpSpPr>
       <p:grpSp>
         <p:nvGrpSpPr>
-          <p:cNvPr id="87" name="Group 86">
-            <a:extLst>
-              <a:ext uri="{FF2B5EF4-FFF2-40B4-BE49-F238E27FC236}">
-                <a16:creationId xmlns:a16="http://schemas.microsoft.com/office/drawing/2014/main" id="{1A10F8A3-AD0D-43DC-B17D-FE7E8360635E}"/>
+          <p:cNvPr id="7" name="Gruppieren 6">
+            <a:extLst>
+              <a:ext uri="{FF2B5EF4-FFF2-40B4-BE49-F238E27FC236}">
+                <a16:creationId xmlns:a16="http://schemas.microsoft.com/office/drawing/2014/main" id="{20385876-3336-42AC-8D39-6E1EC38E9113}"/>
               </a:ext>
             </a:extLst>
           </p:cNvPr>
@@ -3362,9 +3373,9 @@
         <p:grpSpPr>
           <a:xfrm>
             <a:off x="1347789" y="804049"/>
-            <a:ext cx="8649199" cy="4171864"/>
+            <a:ext cx="8649199" cy="4428123"/>
             <a:chOff x="1347789" y="804049"/>
-            <a:chExt cx="8649199" cy="4171864"/>
+            <a:chExt cx="8649199" cy="4428123"/>
           </a:xfrm>
         </p:grpSpPr>
         <p:sp>
@@ -3967,7 +3978,7 @@
           <p:spPr>
             <a:xfrm>
               <a:off x="1804989" y="1718449"/>
-              <a:ext cx="0" cy="2924467"/>
+              <a:ext cx="0" cy="1976052"/>
             </a:xfrm>
             <a:prstGeom prst="line">
               <a:avLst/>
@@ -4029,115 +4040,101 @@
             </a:fontRef>
           </p:style>
         </p:cxnSp>
-        <p:sp>
-          <p:nvSpPr>
-            <p:cNvPr id="63" name="TextBox 62">
+        <p:grpSp>
+          <p:nvGrpSpPr>
+            <p:cNvPr id="3" name="Gruppieren 2">
               <a:extLst>
                 <a:ext uri="{FF2B5EF4-FFF2-40B4-BE49-F238E27FC236}">
-                  <a16:creationId xmlns:a16="http://schemas.microsoft.com/office/drawing/2014/main" id="{45E86EF2-852C-4932-A5D5-D74338C1FE29}"/>
+                  <a16:creationId xmlns:a16="http://schemas.microsoft.com/office/drawing/2014/main" id="{38019825-9F28-4DF5-9D0B-D4F8C2531816}"/>
                 </a:ext>
               </a:extLst>
             </p:cNvPr>
-            <p:cNvSpPr txBox="1"/>
+            <p:cNvGrpSpPr/>
             <p:nvPr/>
-          </p:nvSpPr>
-          <p:spPr>
+          </p:nvGrpSpPr>
+          <p:grpSpPr>
             <a:xfrm>
-              <a:off x="3003170" y="3507598"/>
-              <a:ext cx="1359155" cy="369332"/>
+              <a:off x="2511491" y="3344269"/>
+              <a:ext cx="1393180" cy="700465"/>
+              <a:chOff x="2511491" y="4275448"/>
+              <a:chExt cx="1393180" cy="700465"/>
             </a:xfrm>
-            <a:prstGeom prst="rect">
-              <a:avLst/>
-            </a:prstGeom>
-            <a:noFill/>
-          </p:spPr>
-          <p:txBody>
-            <a:bodyPr wrap="none" rtlCol="0">
-              <a:spAutoFit/>
-            </a:bodyPr>
-            <a:lstStyle/>
-            <a:p>
-              <a:r>
-                <a:rPr lang="de-DE" dirty="0"/>
-                <a:t>uninstall.exe</a:t>
-              </a:r>
-            </a:p>
-          </p:txBody>
-        </p:sp>
-        <p:pic>
-          <p:nvPicPr>
-            <p:cNvPr id="66" name="Graphic 65" descr="Folder outline">
-              <a:extLst>
-                <a:ext uri="{FF2B5EF4-FFF2-40B4-BE49-F238E27FC236}">
-                  <a16:creationId xmlns:a16="http://schemas.microsoft.com/office/drawing/2014/main" id="{43849782-3017-451A-8A3B-6FA65630B951}"/>
-                </a:ext>
-              </a:extLst>
-            </p:cNvPr>
-            <p:cNvPicPr>
-              <a:picLocks noChangeAspect="1"/>
-            </p:cNvPicPr>
-            <p:nvPr/>
-          </p:nvPicPr>
-          <p:blipFill>
-            <a:blip r:embed="rId2">
-              <a:extLst>
-                <a:ext uri="{28A0092B-C50C-407E-A947-70E740481C1C}">
-                  <a14:useLocalDpi xmlns:a14="http://schemas.microsoft.com/office/drawing/2010/main" val="0"/>
-                </a:ext>
-                <a:ext uri="{96DAC541-7B7A-43D3-8B79-37D633B846F1}">
-                  <asvg:svgBlip xmlns:asvg="http://schemas.microsoft.com/office/drawing/2016/SVG/main" r:embed="rId3"/>
-                </a:ext>
-              </a:extLst>
-            </a:blip>
-            <a:stretch>
-              <a:fillRect/>
-            </a:stretch>
-          </p:blipFill>
-          <p:spPr>
-            <a:xfrm>
-              <a:off x="2511491" y="4275448"/>
-              <a:ext cx="700465" cy="700465"/>
-            </a:xfrm>
-            <a:prstGeom prst="rect">
-              <a:avLst/>
-            </a:prstGeom>
-          </p:spPr>
-        </p:pic>
-        <p:sp>
-          <p:nvSpPr>
-            <p:cNvPr id="67" name="TextBox 66">
-              <a:extLst>
-                <a:ext uri="{FF2B5EF4-FFF2-40B4-BE49-F238E27FC236}">
-                  <a16:creationId xmlns:a16="http://schemas.microsoft.com/office/drawing/2014/main" id="{EC7C56E5-CC50-4456-BC91-FB2C16C7CBBD}"/>
-                </a:ext>
-              </a:extLst>
-            </p:cNvPr>
-            <p:cNvSpPr txBox="1"/>
-            <p:nvPr/>
-          </p:nvSpPr>
-          <p:spPr>
-            <a:xfrm>
-              <a:off x="3149400" y="4416361"/>
-              <a:ext cx="755271" cy="369332"/>
-            </a:xfrm>
-            <a:prstGeom prst="rect">
-              <a:avLst/>
-            </a:prstGeom>
-            <a:noFill/>
-          </p:spPr>
-          <p:txBody>
-            <a:bodyPr wrap="none" rtlCol="0">
-              <a:spAutoFit/>
-            </a:bodyPr>
-            <a:lstStyle/>
-            <a:p>
-              <a:r>
-                <a:rPr lang="de-DE" dirty="0"/>
-                <a:t>config</a:t>
-              </a:r>
-            </a:p>
-          </p:txBody>
-        </p:sp>
+          </p:grpSpPr>
+          <p:pic>
+            <p:nvPicPr>
+              <p:cNvPr id="66" name="Graphic 65" descr="Folder outline">
+                <a:extLst>
+                  <a:ext uri="{FF2B5EF4-FFF2-40B4-BE49-F238E27FC236}">
+                    <a16:creationId xmlns:a16="http://schemas.microsoft.com/office/drawing/2014/main" id="{43849782-3017-451A-8A3B-6FA65630B951}"/>
+                  </a:ext>
+                </a:extLst>
+              </p:cNvPr>
+              <p:cNvPicPr>
+                <a:picLocks noChangeAspect="1"/>
+              </p:cNvPicPr>
+              <p:nvPr/>
+            </p:nvPicPr>
+            <p:blipFill>
+              <a:blip r:embed="rId2">
+                <a:extLst>
+                  <a:ext uri="{28A0092B-C50C-407E-A947-70E740481C1C}">
+                    <a14:useLocalDpi xmlns:a14="http://schemas.microsoft.com/office/drawing/2010/main" val="0"/>
+                  </a:ext>
+                  <a:ext uri="{96DAC541-7B7A-43D3-8B79-37D633B846F1}">
+                    <asvg:svgBlip xmlns:asvg="http://schemas.microsoft.com/office/drawing/2016/SVG/main" r:embed="rId3"/>
+                  </a:ext>
+                </a:extLst>
+              </a:blip>
+              <a:stretch>
+                <a:fillRect/>
+              </a:stretch>
+            </p:blipFill>
+            <p:spPr>
+              <a:xfrm>
+                <a:off x="2511491" y="4275448"/>
+                <a:ext cx="700465" cy="700465"/>
+              </a:xfrm>
+              <a:prstGeom prst="rect">
+                <a:avLst/>
+              </a:prstGeom>
+            </p:spPr>
+          </p:pic>
+          <p:sp>
+            <p:nvSpPr>
+              <p:cNvPr id="67" name="TextBox 66">
+                <a:extLst>
+                  <a:ext uri="{FF2B5EF4-FFF2-40B4-BE49-F238E27FC236}">
+                    <a16:creationId xmlns:a16="http://schemas.microsoft.com/office/drawing/2014/main" id="{EC7C56E5-CC50-4456-BC91-FB2C16C7CBBD}"/>
+                  </a:ext>
+                </a:extLst>
+              </p:cNvPr>
+              <p:cNvSpPr txBox="1"/>
+              <p:nvPr/>
+            </p:nvSpPr>
+            <p:spPr>
+              <a:xfrm>
+                <a:off x="3149400" y="4416361"/>
+                <a:ext cx="755271" cy="369332"/>
+              </a:xfrm>
+              <a:prstGeom prst="rect">
+                <a:avLst/>
+              </a:prstGeom>
+              <a:noFill/>
+            </p:spPr>
+            <p:txBody>
+              <a:bodyPr wrap="none" rtlCol="0">
+                <a:spAutoFit/>
+              </a:bodyPr>
+              <a:lstStyle/>
+              <a:p>
+                <a:r>
+                  <a:rPr lang="de-DE" dirty="0"/>
+                  <a:t>config</a:t>
+                </a:r>
+              </a:p>
+            </p:txBody>
+          </p:sp>
+        </p:grpSp>
         <p:cxnSp>
           <p:nvCxnSpPr>
             <p:cNvPr id="69" name="Straight Connector 68">
@@ -4153,43 +4150,6 @@
           <p:spPr>
             <a:xfrm>
               <a:off x="1804990" y="3687526"/>
-              <a:ext cx="652461" cy="0"/>
-            </a:xfrm>
-            <a:prstGeom prst="line">
-              <a:avLst/>
-            </a:prstGeom>
-            <a:ln w="28575"/>
-          </p:spPr>
-          <p:style>
-            <a:lnRef idx="1">
-              <a:schemeClr val="accent1"/>
-            </a:lnRef>
-            <a:fillRef idx="0">
-              <a:schemeClr val="accent1"/>
-            </a:fillRef>
-            <a:effectRef idx="0">
-              <a:schemeClr val="accent1"/>
-            </a:effectRef>
-            <a:fontRef idx="minor">
-              <a:schemeClr val="tx1"/>
-            </a:fontRef>
-          </p:style>
-        </p:cxnSp>
-        <p:cxnSp>
-          <p:nvCxnSpPr>
-            <p:cNvPr id="70" name="Straight Connector 69">
-              <a:extLst>
-                <a:ext uri="{FF2B5EF4-FFF2-40B4-BE49-F238E27FC236}">
-                  <a16:creationId xmlns:a16="http://schemas.microsoft.com/office/drawing/2014/main" id="{86C15E52-C41D-4EC9-A05D-6FCF561A16F9}"/>
-                </a:ext>
-              </a:extLst>
-            </p:cNvPr>
-            <p:cNvCxnSpPr/>
-            <p:nvPr/>
-          </p:nvCxnSpPr>
-          <p:spPr>
-            <a:xfrm>
-              <a:off x="1804989" y="4642916"/>
               <a:ext cx="652461" cy="0"/>
             </a:xfrm>
             <a:prstGeom prst="line">
@@ -4230,7 +4190,7 @@
           <p:spPr>
             <a:xfrm flipH="1">
               <a:off x="3904671" y="1563624"/>
-              <a:ext cx="674609" cy="3037403"/>
+              <a:ext cx="674609" cy="2106224"/>
             </a:xfrm>
             <a:prstGeom prst="curvedConnector3">
               <a:avLst>
@@ -4272,12 +4232,15 @@
             <p:nvPr/>
           </p:nvCxnSpPr>
           <p:spPr>
-            <a:xfrm rot="5400000">
-              <a:off x="4448711" y="3425232"/>
-              <a:ext cx="631756" cy="1719835"/>
+            <a:xfrm rot="5400000" flipH="1">
+              <a:off x="4614877" y="2959643"/>
+              <a:ext cx="299423" cy="1719835"/>
             </a:xfrm>
-            <a:prstGeom prst="curvedConnector2">
-              <a:avLst/>
+            <a:prstGeom prst="curvedConnector4">
+              <a:avLst>
+                <a:gd name="adj1" fmla="val -76347"/>
+                <a:gd name="adj2" fmla="val 77761"/>
+              </a:avLst>
             </a:prstGeom>
             <a:ln w="12700">
               <a:tailEnd type="triangle"/>
@@ -4349,10 +4312,10 @@
         </p:sp>
         <p:grpSp>
           <p:nvGrpSpPr>
-            <p:cNvPr id="85" name="Group 84">
+            <p:cNvPr id="2" name="Gruppieren 1">
               <a:extLst>
                 <a:ext uri="{FF2B5EF4-FFF2-40B4-BE49-F238E27FC236}">
-                  <a16:creationId xmlns:a16="http://schemas.microsoft.com/office/drawing/2014/main" id="{578BC01C-3805-48BE-94C1-2B2061F7594E}"/>
+                  <a16:creationId xmlns:a16="http://schemas.microsoft.com/office/drawing/2014/main" id="{16FCEA53-0B98-46B3-8EDF-1DA4D4FD0D25}"/>
                 </a:ext>
               </a:extLst>
             </p:cNvPr>
@@ -4361,57 +4324,18 @@
           </p:nvGrpSpPr>
           <p:grpSpPr>
             <a:xfrm>
-              <a:off x="2455566" y="3385277"/>
-              <a:ext cx="655889" cy="655889"/>
-              <a:chOff x="2481380" y="3381484"/>
-              <a:chExt cx="655889" cy="655889"/>
+              <a:off x="1498791" y="4576283"/>
+              <a:ext cx="1990050" cy="655889"/>
+              <a:chOff x="2455566" y="3385277"/>
+              <a:chExt cx="1990050" cy="655889"/>
             </a:xfrm>
           </p:grpSpPr>
-          <p:pic>
-            <p:nvPicPr>
-              <p:cNvPr id="83" name="Graphic 82" descr="Paper outline">
+          <p:sp>
+            <p:nvSpPr>
+              <p:cNvPr id="63" name="TextBox 62">
                 <a:extLst>
                   <a:ext uri="{FF2B5EF4-FFF2-40B4-BE49-F238E27FC236}">
-                    <a16:creationId xmlns:a16="http://schemas.microsoft.com/office/drawing/2014/main" id="{2D0CA432-0F32-4417-8A6A-5E7FFAF041FC}"/>
-                  </a:ext>
-                </a:extLst>
-              </p:cNvPr>
-              <p:cNvPicPr>
-                <a:picLocks noChangeAspect="1"/>
-              </p:cNvPicPr>
-              <p:nvPr/>
-            </p:nvPicPr>
-            <p:blipFill>
-              <a:blip r:embed="rId4">
-                <a:extLst>
-                  <a:ext uri="{28A0092B-C50C-407E-A947-70E740481C1C}">
-                    <a14:useLocalDpi xmlns:a14="http://schemas.microsoft.com/office/drawing/2010/main" val="0"/>
-                  </a:ext>
-                  <a:ext uri="{96DAC541-7B7A-43D3-8B79-37D633B846F1}">
-                    <asvg:svgBlip xmlns:asvg="http://schemas.microsoft.com/office/drawing/2016/SVG/main" r:embed="rId5"/>
-                  </a:ext>
-                </a:extLst>
-              </a:blip>
-              <a:stretch>
-                <a:fillRect/>
-              </a:stretch>
-            </p:blipFill>
-            <p:spPr>
-              <a:xfrm>
-                <a:off x="2481380" y="3381484"/>
-                <a:ext cx="655889" cy="655889"/>
-              </a:xfrm>
-              <a:prstGeom prst="rect">
-                <a:avLst/>
-              </a:prstGeom>
-            </p:spPr>
-          </p:pic>
-          <p:sp>
-            <p:nvSpPr>
-              <p:cNvPr id="84" name="TextBox 83">
-                <a:extLst>
-                  <a:ext uri="{FF2B5EF4-FFF2-40B4-BE49-F238E27FC236}">
-                    <a16:creationId xmlns:a16="http://schemas.microsoft.com/office/drawing/2014/main" id="{FBDD30E5-FB3A-46DF-B1BF-B0A57BEE01FC}"/>
+                    <a16:creationId xmlns:a16="http://schemas.microsoft.com/office/drawing/2014/main" id="{45E86EF2-852C-4932-A5D5-D74338C1FE29}"/>
                   </a:ext>
                 </a:extLst>
               </p:cNvPr>
@@ -4420,8 +4344,8 @@
             </p:nvSpPr>
             <p:spPr>
               <a:xfrm>
-                <a:off x="2557243" y="3621878"/>
-                <a:ext cx="480196" cy="307777"/>
+                <a:off x="3003170" y="3583099"/>
+                <a:ext cx="1442446" cy="369332"/>
               </a:xfrm>
               <a:prstGeom prst="rect">
                 <a:avLst/>
@@ -4435,12 +4359,112 @@
               <a:lstStyle/>
               <a:p>
                 <a:r>
-                  <a:rPr lang="de-DE" sz="1400" dirty="0"/>
-                  <a:t>.exe</a:t>
+                  <a:rPr lang="de-DE" dirty="0"/>
+                  <a:t>uninstall.cmd</a:t>
                 </a:r>
               </a:p>
             </p:txBody>
           </p:sp>
+          <p:grpSp>
+            <p:nvGrpSpPr>
+              <p:cNvPr id="85" name="Group 84">
+                <a:extLst>
+                  <a:ext uri="{FF2B5EF4-FFF2-40B4-BE49-F238E27FC236}">
+                    <a16:creationId xmlns:a16="http://schemas.microsoft.com/office/drawing/2014/main" id="{578BC01C-3805-48BE-94C1-2B2061F7594E}"/>
+                  </a:ext>
+                </a:extLst>
+              </p:cNvPr>
+              <p:cNvGrpSpPr/>
+              <p:nvPr/>
+            </p:nvGrpSpPr>
+            <p:grpSpPr>
+              <a:xfrm>
+                <a:off x="2455566" y="3385277"/>
+                <a:ext cx="655889" cy="655889"/>
+                <a:chOff x="2481380" y="3381484"/>
+                <a:chExt cx="655889" cy="655889"/>
+              </a:xfrm>
+            </p:grpSpPr>
+            <p:pic>
+              <p:nvPicPr>
+                <p:cNvPr id="83" name="Graphic 82" descr="Paper outline">
+                  <a:extLst>
+                    <a:ext uri="{FF2B5EF4-FFF2-40B4-BE49-F238E27FC236}">
+                      <a16:creationId xmlns:a16="http://schemas.microsoft.com/office/drawing/2014/main" id="{2D0CA432-0F32-4417-8A6A-5E7FFAF041FC}"/>
+                    </a:ext>
+                  </a:extLst>
+                </p:cNvPr>
+                <p:cNvPicPr>
+                  <a:picLocks noChangeAspect="1"/>
+                </p:cNvPicPr>
+                <p:nvPr/>
+              </p:nvPicPr>
+              <p:blipFill>
+                <a:blip r:embed="rId4">
+                  <a:extLst>
+                    <a:ext uri="{28A0092B-C50C-407E-A947-70E740481C1C}">
+                      <a14:useLocalDpi xmlns:a14="http://schemas.microsoft.com/office/drawing/2010/main" val="0"/>
+                    </a:ext>
+                    <a:ext uri="{96DAC541-7B7A-43D3-8B79-37D633B846F1}">
+                      <asvg:svgBlip xmlns:asvg="http://schemas.microsoft.com/office/drawing/2016/SVG/main" r:embed="rId5"/>
+                    </a:ext>
+                  </a:extLst>
+                </a:blip>
+                <a:stretch>
+                  <a:fillRect/>
+                </a:stretch>
+              </p:blipFill>
+              <p:spPr>
+                <a:xfrm>
+                  <a:off x="2481380" y="3381484"/>
+                  <a:ext cx="655889" cy="655889"/>
+                </a:xfrm>
+                <a:prstGeom prst="rect">
+                  <a:avLst/>
+                </a:prstGeom>
+              </p:spPr>
+            </p:pic>
+            <p:sp>
+              <p:nvSpPr>
+                <p:cNvPr id="84" name="TextBox 83">
+                  <a:extLst>
+                    <a:ext uri="{FF2B5EF4-FFF2-40B4-BE49-F238E27FC236}">
+                      <a16:creationId xmlns:a16="http://schemas.microsoft.com/office/drawing/2014/main" id="{FBDD30E5-FB3A-46DF-B1BF-B0A57BEE01FC}"/>
+                    </a:ext>
+                  </a:extLst>
+                </p:cNvPr>
+                <p:cNvSpPr txBox="1"/>
+                <p:nvPr/>
+              </p:nvSpPr>
+              <p:spPr>
+                <a:xfrm>
+                  <a:off x="2557243" y="3621878"/>
+                  <a:ext cx="492443" cy="276999"/>
+                </a:xfrm>
+                <a:prstGeom prst="rect">
+                  <a:avLst/>
+                </a:prstGeom>
+                <a:noFill/>
+              </p:spPr>
+              <p:txBody>
+                <a:bodyPr wrap="none" rtlCol="0">
+                  <a:spAutoFit/>
+                </a:bodyPr>
+                <a:lstStyle/>
+                <a:p>
+                  <a:r>
+                    <a:rPr lang="de-DE" sz="1200" dirty="0"/>
+                    <a:t>.</a:t>
+                  </a:r>
+                  <a:r>
+                    <a:rPr lang="de-DE" sz="1200" dirty="0" err="1"/>
+                    <a:t>cmd</a:t>
+                  </a:r>
+                  <a:endParaRPr lang="de-DE" sz="1200" dirty="0"/>
+                </a:p>
+              </p:txBody>
+            </p:sp>
+          </p:grpSp>
         </p:grpSp>
       </p:grpSp>
     </p:spTree>

--- a/.assets/SwateInstaller.pptx
+++ b/.assets/SwateInstaller.pptx
@@ -6,6 +6,7 @@
   </p:sldMasterIdLst>
   <p:sldIdLst>
     <p:sldId id="256" r:id="rId2"/>
+    <p:sldId id="257" r:id="rId3"/>
   </p:sldIdLst>
   <p:sldSz cx="12192000" cy="6858000"/>
   <p:notesSz cx="6858000" cy="9144000"/>
@@ -4480,6 +4481,181 @@
 </p:sld>
 </file>
 
+<file path=ppt/slides/slide2.xml><?xml version="1.0" encoding="utf-8"?>
+<p:sld xmlns:a="http://schemas.openxmlformats.org/drawingml/2006/main" xmlns:r="http://schemas.openxmlformats.org/officeDocument/2006/relationships" xmlns:p="http://schemas.openxmlformats.org/presentationml/2006/main">
+  <p:cSld>
+    <p:spTree>
+      <p:nvGrpSpPr>
+        <p:cNvPr id="1" name=""/>
+        <p:cNvGrpSpPr/>
+        <p:nvPr/>
+      </p:nvGrpSpPr>
+      <p:grpSpPr>
+        <a:xfrm>
+          <a:off x="0" y="0"/>
+          <a:ext cx="0" cy="0"/>
+          <a:chOff x="0" y="0"/>
+          <a:chExt cx="0" cy="0"/>
+        </a:xfrm>
+      </p:grpSpPr>
+      <p:grpSp>
+        <p:nvGrpSpPr>
+          <p:cNvPr id="23" name="Gruppieren 22">
+            <a:extLst>
+              <a:ext uri="{FF2B5EF4-FFF2-40B4-BE49-F238E27FC236}">
+                <a16:creationId xmlns:a16="http://schemas.microsoft.com/office/drawing/2014/main" id="{78270840-02ED-4E8D-AF62-53581010959A}"/>
+              </a:ext>
+            </a:extLst>
+          </p:cNvPr>
+          <p:cNvGrpSpPr/>
+          <p:nvPr/>
+        </p:nvGrpSpPr>
+        <p:grpSpPr>
+          <a:xfrm>
+            <a:off x="2380731" y="1372965"/>
+            <a:ext cx="7430537" cy="3765559"/>
+            <a:chOff x="2380731" y="1372965"/>
+            <a:chExt cx="7430537" cy="3765559"/>
+          </a:xfrm>
+        </p:grpSpPr>
+        <p:pic>
+          <p:nvPicPr>
+            <p:cNvPr id="12" name="Grafik 11">
+              <a:extLst>
+                <a:ext uri="{FF2B5EF4-FFF2-40B4-BE49-F238E27FC236}">
+                  <a16:creationId xmlns:a16="http://schemas.microsoft.com/office/drawing/2014/main" id="{622399DB-9470-485D-B9C0-5FB88AEB345D}"/>
+                </a:ext>
+              </a:extLst>
+            </p:cNvPr>
+            <p:cNvPicPr>
+              <a:picLocks noChangeAspect="1"/>
+            </p:cNvPicPr>
+            <p:nvPr/>
+          </p:nvPicPr>
+          <p:blipFill>
+            <a:blip r:embed="rId2">
+              <a:extLst>
+                <a:ext uri="{28A0092B-C50C-407E-A947-70E740481C1C}">
+                  <a14:useLocalDpi xmlns:a14="http://schemas.microsoft.com/office/drawing/2010/main" val="0"/>
+                </a:ext>
+              </a:extLst>
+            </a:blip>
+            <a:stretch>
+              <a:fillRect/>
+            </a:stretch>
+          </p:blipFill>
+          <p:spPr>
+            <a:xfrm>
+              <a:off x="2380731" y="1719476"/>
+              <a:ext cx="7430537" cy="3419048"/>
+            </a:xfrm>
+            <a:prstGeom prst="rect">
+              <a:avLst/>
+            </a:prstGeom>
+          </p:spPr>
+        </p:pic>
+        <p:cxnSp>
+          <p:nvCxnSpPr>
+            <p:cNvPr id="16" name="Gerade Verbindung mit Pfeil 15">
+              <a:extLst>
+                <a:ext uri="{FF2B5EF4-FFF2-40B4-BE49-F238E27FC236}">
+                  <a16:creationId xmlns:a16="http://schemas.microsoft.com/office/drawing/2014/main" id="{0178408E-4F41-406E-B676-3F93C71156FC}"/>
+                </a:ext>
+              </a:extLst>
+            </p:cNvPr>
+            <p:cNvCxnSpPr>
+              <a:cxnSpLocks/>
+            </p:cNvCxnSpPr>
+            <p:nvPr/>
+          </p:nvCxnSpPr>
+          <p:spPr>
+            <a:xfrm flipH="1">
+              <a:off x="7190073" y="2059806"/>
+              <a:ext cx="462011" cy="558265"/>
+            </a:xfrm>
+            <a:prstGeom prst="straightConnector1">
+              <a:avLst/>
+            </a:prstGeom>
+            <a:ln w="38100">
+              <a:solidFill>
+                <a:srgbClr val="FF0000"/>
+              </a:solidFill>
+              <a:tailEnd type="triangle"/>
+            </a:ln>
+          </p:spPr>
+          <p:style>
+            <a:lnRef idx="1">
+              <a:schemeClr val="accent1"/>
+            </a:lnRef>
+            <a:fillRef idx="0">
+              <a:schemeClr val="accent1"/>
+            </a:fillRef>
+            <a:effectRef idx="0">
+              <a:schemeClr val="accent1"/>
+            </a:effectRef>
+            <a:fontRef idx="minor">
+              <a:schemeClr val="tx1"/>
+            </a:fontRef>
+          </p:style>
+        </p:cxnSp>
+        <p:cxnSp>
+          <p:nvCxnSpPr>
+            <p:cNvPr id="21" name="Gerade Verbindung mit Pfeil 20">
+              <a:extLst>
+                <a:ext uri="{FF2B5EF4-FFF2-40B4-BE49-F238E27FC236}">
+                  <a16:creationId xmlns:a16="http://schemas.microsoft.com/office/drawing/2014/main" id="{CCA4AF86-5064-484F-A36D-98DAE0EA79FD}"/>
+                </a:ext>
+              </a:extLst>
+            </p:cNvPr>
+            <p:cNvCxnSpPr>
+              <a:cxnSpLocks/>
+            </p:cNvCxnSpPr>
+            <p:nvPr/>
+          </p:nvCxnSpPr>
+          <p:spPr>
+            <a:xfrm flipH="1">
+              <a:off x="2964581" y="1372965"/>
+              <a:ext cx="462011" cy="558265"/>
+            </a:xfrm>
+            <a:prstGeom prst="straightConnector1">
+              <a:avLst/>
+            </a:prstGeom>
+            <a:ln w="38100">
+              <a:solidFill>
+                <a:srgbClr val="FF0000"/>
+              </a:solidFill>
+              <a:tailEnd type="triangle"/>
+            </a:ln>
+          </p:spPr>
+          <p:style>
+            <a:lnRef idx="1">
+              <a:schemeClr val="accent1"/>
+            </a:lnRef>
+            <a:fillRef idx="0">
+              <a:schemeClr val="accent1"/>
+            </a:fillRef>
+            <a:effectRef idx="0">
+              <a:schemeClr val="accent1"/>
+            </a:effectRef>
+            <a:fontRef idx="minor">
+              <a:schemeClr val="tx1"/>
+            </a:fontRef>
+          </p:style>
+        </p:cxnSp>
+      </p:grpSp>
+    </p:spTree>
+    <p:extLst>
+      <p:ext uri="{BB962C8B-B14F-4D97-AF65-F5344CB8AC3E}">
+        <p14:creationId xmlns:p14="http://schemas.microsoft.com/office/powerpoint/2010/main" val="378016372"/>
+      </p:ext>
+    </p:extLst>
+  </p:cSld>
+  <p:clrMapOvr>
+    <a:masterClrMapping/>
+  </p:clrMapOvr>
+</p:sld>
+</file>
+
 <file path=ppt/theme/theme1.xml><?xml version="1.0" encoding="utf-8"?>
 <a:theme xmlns:a="http://schemas.openxmlformats.org/drawingml/2006/main" name="Office Theme">
   <a:themeElements>

--- a/.assets/SwateInstaller.pptx
+++ b/.assets/SwateInstaller.pptx
@@ -108,7 +108,7 @@
   <p:extLst>
     <p:ext uri="{EFAFB233-063F-42B5-8137-9DF3F51BA10A}">
       <p15:sldGuideLst xmlns:p15="http://schemas.microsoft.com/office/powerpoint/2012/main">
-        <p15:guide id="1" orient="horz" pos="2160" userDrawn="1">
+        <p15:guide id="1" orient="horz" pos="3090" userDrawn="1">
           <p15:clr>
             <a:srgbClr val="A4A3A4"/>
           </p15:clr>
@@ -273,7 +273,7 @@
           <a:p>
             <a:fld id="{0EC4D526-A831-4B00-AFC1-71380969F50A}" type="datetimeFigureOut">
               <a:rPr lang="en-DE" smtClean="0"/>
-              <a:t>01/07/2021</a:t>
+              <a:t>08/07/2021</a:t>
             </a:fld>
             <a:endParaRPr lang="en-DE"/>
           </a:p>
@@ -473,7 +473,7 @@
           <a:p>
             <a:fld id="{0EC4D526-A831-4B00-AFC1-71380969F50A}" type="datetimeFigureOut">
               <a:rPr lang="en-DE" smtClean="0"/>
-              <a:t>01/07/2021</a:t>
+              <a:t>08/07/2021</a:t>
             </a:fld>
             <a:endParaRPr lang="en-DE"/>
           </a:p>
@@ -683,7 +683,7 @@
           <a:p>
             <a:fld id="{0EC4D526-A831-4B00-AFC1-71380969F50A}" type="datetimeFigureOut">
               <a:rPr lang="en-DE" smtClean="0"/>
-              <a:t>01/07/2021</a:t>
+              <a:t>08/07/2021</a:t>
             </a:fld>
             <a:endParaRPr lang="en-DE"/>
           </a:p>
@@ -883,7 +883,7 @@
           <a:p>
             <a:fld id="{0EC4D526-A831-4B00-AFC1-71380969F50A}" type="datetimeFigureOut">
               <a:rPr lang="en-DE" smtClean="0"/>
-              <a:t>01/07/2021</a:t>
+              <a:t>08/07/2021</a:t>
             </a:fld>
             <a:endParaRPr lang="en-DE"/>
           </a:p>
@@ -1159,7 +1159,7 @@
           <a:p>
             <a:fld id="{0EC4D526-A831-4B00-AFC1-71380969F50A}" type="datetimeFigureOut">
               <a:rPr lang="en-DE" smtClean="0"/>
-              <a:t>01/07/2021</a:t>
+              <a:t>08/07/2021</a:t>
             </a:fld>
             <a:endParaRPr lang="en-DE"/>
           </a:p>
@@ -1427,7 +1427,7 @@
           <a:p>
             <a:fld id="{0EC4D526-A831-4B00-AFC1-71380969F50A}" type="datetimeFigureOut">
               <a:rPr lang="en-DE" smtClean="0"/>
-              <a:t>01/07/2021</a:t>
+              <a:t>08/07/2021</a:t>
             </a:fld>
             <a:endParaRPr lang="en-DE"/>
           </a:p>
@@ -1842,7 +1842,7 @@
           <a:p>
             <a:fld id="{0EC4D526-A831-4B00-AFC1-71380969F50A}" type="datetimeFigureOut">
               <a:rPr lang="en-DE" smtClean="0"/>
-              <a:t>01/07/2021</a:t>
+              <a:t>08/07/2021</a:t>
             </a:fld>
             <a:endParaRPr lang="en-DE"/>
           </a:p>
@@ -1984,7 +1984,7 @@
           <a:p>
             <a:fld id="{0EC4D526-A831-4B00-AFC1-71380969F50A}" type="datetimeFigureOut">
               <a:rPr lang="en-DE" smtClean="0"/>
-              <a:t>01/07/2021</a:t>
+              <a:t>08/07/2021</a:t>
             </a:fld>
             <a:endParaRPr lang="en-DE"/>
           </a:p>
@@ -2097,7 +2097,7 @@
           <a:p>
             <a:fld id="{0EC4D526-A831-4B00-AFC1-71380969F50A}" type="datetimeFigureOut">
               <a:rPr lang="en-DE" smtClean="0"/>
-              <a:t>01/07/2021</a:t>
+              <a:t>08/07/2021</a:t>
             </a:fld>
             <a:endParaRPr lang="en-DE"/>
           </a:p>
@@ -2410,7 +2410,7 @@
           <a:p>
             <a:fld id="{0EC4D526-A831-4B00-AFC1-71380969F50A}" type="datetimeFigureOut">
               <a:rPr lang="en-DE" smtClean="0"/>
-              <a:t>01/07/2021</a:t>
+              <a:t>08/07/2021</a:t>
             </a:fld>
             <a:endParaRPr lang="en-DE"/>
           </a:p>
@@ -2699,7 +2699,7 @@
           <a:p>
             <a:fld id="{0EC4D526-A831-4B00-AFC1-71380969F50A}" type="datetimeFigureOut">
               <a:rPr lang="en-DE" smtClean="0"/>
-              <a:t>01/07/2021</a:t>
+              <a:t>08/07/2021</a:t>
             </a:fld>
             <a:endParaRPr lang="en-DE"/>
           </a:p>
@@ -2942,7 +2942,7 @@
           <a:p>
             <a:fld id="{0EC4D526-A831-4B00-AFC1-71380969F50A}" type="datetimeFigureOut">
               <a:rPr lang="en-DE" smtClean="0"/>
-              <a:t>01/07/2021</a:t>
+              <a:t>08/07/2021</a:t>
             </a:fld>
             <a:endParaRPr lang="en-DE"/>
           </a:p>
@@ -3361,10 +3361,10 @@
       </p:grpSpPr>
       <p:grpSp>
         <p:nvGrpSpPr>
-          <p:cNvPr id="7" name="Gruppieren 6">
-            <a:extLst>
-              <a:ext uri="{FF2B5EF4-FFF2-40B4-BE49-F238E27FC236}">
-                <a16:creationId xmlns:a16="http://schemas.microsoft.com/office/drawing/2014/main" id="{20385876-3336-42AC-8D39-6E1EC38E9113}"/>
+          <p:cNvPr id="11" name="Gruppieren 10">
+            <a:extLst>
+              <a:ext uri="{FF2B5EF4-FFF2-40B4-BE49-F238E27FC236}">
+                <a16:creationId xmlns:a16="http://schemas.microsoft.com/office/drawing/2014/main" id="{4B3825DB-01CE-430C-9FFB-35340C43DDC7}"/>
               </a:ext>
             </a:extLst>
           </p:cNvPr>
@@ -3979,7 +3979,7 @@
           <p:spPr>
             <a:xfrm>
               <a:off x="1804989" y="1718449"/>
-              <a:ext cx="0" cy="1976052"/>
+              <a:ext cx="0" cy="3185778"/>
             </a:xfrm>
             <a:prstGeom prst="line">
               <a:avLst/>
@@ -4325,7 +4325,7 @@
           </p:nvGrpSpPr>
           <p:grpSpPr>
             <a:xfrm>
-              <a:off x="1498791" y="4576283"/>
+              <a:off x="2511491" y="4576283"/>
               <a:ext cx="1990050" cy="655889"/>
               <a:chOff x="2455566" y="3385277"/>
               <a:chExt cx="1990050" cy="655889"/>
@@ -4467,6 +4467,43 @@
             </p:sp>
           </p:grpSp>
         </p:grpSp>
+        <p:cxnSp>
+          <p:nvCxnSpPr>
+            <p:cNvPr id="35" name="Straight Connector 68">
+              <a:extLst>
+                <a:ext uri="{FF2B5EF4-FFF2-40B4-BE49-F238E27FC236}">
+                  <a16:creationId xmlns:a16="http://schemas.microsoft.com/office/drawing/2014/main" id="{94E9304A-39D0-4C25-990D-B8CDD6B6B0FB}"/>
+                </a:ext>
+              </a:extLst>
+            </p:cNvPr>
+            <p:cNvCxnSpPr/>
+            <p:nvPr/>
+          </p:nvCxnSpPr>
+          <p:spPr>
+            <a:xfrm>
+              <a:off x="1804990" y="4892208"/>
+              <a:ext cx="652461" cy="0"/>
+            </a:xfrm>
+            <a:prstGeom prst="line">
+              <a:avLst/>
+            </a:prstGeom>
+            <a:ln w="28575"/>
+          </p:spPr>
+          <p:style>
+            <a:lnRef idx="1">
+              <a:schemeClr val="accent1"/>
+            </a:lnRef>
+            <a:fillRef idx="0">
+              <a:schemeClr val="accent1"/>
+            </a:fillRef>
+            <a:effectRef idx="0">
+              <a:schemeClr val="accent1"/>
+            </a:effectRef>
+            <a:fontRef idx="minor">
+              <a:schemeClr val="tx1"/>
+            </a:fontRef>
+          </p:style>
+        </p:cxnSp>
       </p:grpSp>
     </p:spTree>
     <p:extLst>
